--- a/文件存放區/電影評什麼UI設計.pptx
+++ b/文件存放區/電影評什麼UI設計.pptx
@@ -208,7 +208,7 @@
           <a:p>
             <a:fld id="{49495778-5C31-43CC-9C35-26D7D5F7478C}" type="datetimeFigureOut">
               <a:rPr lang="zh-TW" altLang="en-US" smtClean="0"/>
-              <a:t>2021/7/24</a:t>
+              <a:t>2021/7/26</a:t>
             </a:fld>
             <a:endParaRPr lang="zh-TW" altLang="en-US"/>
           </a:p>
@@ -1238,7 +1238,7 @@
           <a:p>
             <a:fld id="{53F59838-084C-4AA6-89AC-C9A7F8C81351}" type="datetimeFigureOut">
               <a:rPr lang="zh-TW" altLang="en-US" smtClean="0"/>
-              <a:t>2021/7/24</a:t>
+              <a:t>2021/7/26</a:t>
             </a:fld>
             <a:endParaRPr lang="zh-TW" altLang="en-US"/>
           </a:p>
@@ -1408,7 +1408,7 @@
           <a:p>
             <a:fld id="{53F59838-084C-4AA6-89AC-C9A7F8C81351}" type="datetimeFigureOut">
               <a:rPr lang="zh-TW" altLang="en-US" smtClean="0"/>
-              <a:t>2021/7/24</a:t>
+              <a:t>2021/7/26</a:t>
             </a:fld>
             <a:endParaRPr lang="zh-TW" altLang="en-US"/>
           </a:p>
@@ -1588,7 +1588,7 @@
           <a:p>
             <a:fld id="{53F59838-084C-4AA6-89AC-C9A7F8C81351}" type="datetimeFigureOut">
               <a:rPr lang="zh-TW" altLang="en-US" smtClean="0"/>
-              <a:t>2021/7/24</a:t>
+              <a:t>2021/7/26</a:t>
             </a:fld>
             <a:endParaRPr lang="zh-TW" altLang="en-US"/>
           </a:p>
@@ -1758,7 +1758,7 @@
           <a:p>
             <a:fld id="{53F59838-084C-4AA6-89AC-C9A7F8C81351}" type="datetimeFigureOut">
               <a:rPr lang="zh-TW" altLang="en-US" smtClean="0"/>
-              <a:t>2021/7/24</a:t>
+              <a:t>2021/7/26</a:t>
             </a:fld>
             <a:endParaRPr lang="zh-TW" altLang="en-US"/>
           </a:p>
@@ -2004,7 +2004,7 @@
           <a:p>
             <a:fld id="{53F59838-084C-4AA6-89AC-C9A7F8C81351}" type="datetimeFigureOut">
               <a:rPr lang="zh-TW" altLang="en-US" smtClean="0"/>
-              <a:t>2021/7/24</a:t>
+              <a:t>2021/7/26</a:t>
             </a:fld>
             <a:endParaRPr lang="zh-TW" altLang="en-US"/>
           </a:p>
@@ -2236,7 +2236,7 @@
           <a:p>
             <a:fld id="{53F59838-084C-4AA6-89AC-C9A7F8C81351}" type="datetimeFigureOut">
               <a:rPr lang="zh-TW" altLang="en-US" smtClean="0"/>
-              <a:t>2021/7/24</a:t>
+              <a:t>2021/7/26</a:t>
             </a:fld>
             <a:endParaRPr lang="zh-TW" altLang="en-US"/>
           </a:p>
@@ -2603,7 +2603,7 @@
           <a:p>
             <a:fld id="{53F59838-084C-4AA6-89AC-C9A7F8C81351}" type="datetimeFigureOut">
               <a:rPr lang="zh-TW" altLang="en-US" smtClean="0"/>
-              <a:t>2021/7/24</a:t>
+              <a:t>2021/7/26</a:t>
             </a:fld>
             <a:endParaRPr lang="zh-TW" altLang="en-US"/>
           </a:p>
@@ -2721,7 +2721,7 @@
           <a:p>
             <a:fld id="{53F59838-084C-4AA6-89AC-C9A7F8C81351}" type="datetimeFigureOut">
               <a:rPr lang="zh-TW" altLang="en-US" smtClean="0"/>
-              <a:t>2021/7/24</a:t>
+              <a:t>2021/7/26</a:t>
             </a:fld>
             <a:endParaRPr lang="zh-TW" altLang="en-US"/>
           </a:p>
@@ -2816,7 +2816,7 @@
           <a:p>
             <a:fld id="{53F59838-084C-4AA6-89AC-C9A7F8C81351}" type="datetimeFigureOut">
               <a:rPr lang="zh-TW" altLang="en-US" smtClean="0"/>
-              <a:t>2021/7/24</a:t>
+              <a:t>2021/7/26</a:t>
             </a:fld>
             <a:endParaRPr lang="zh-TW" altLang="en-US"/>
           </a:p>
@@ -3093,7 +3093,7 @@
           <a:p>
             <a:fld id="{53F59838-084C-4AA6-89AC-C9A7F8C81351}" type="datetimeFigureOut">
               <a:rPr lang="zh-TW" altLang="en-US" smtClean="0"/>
-              <a:t>2021/7/24</a:t>
+              <a:t>2021/7/26</a:t>
             </a:fld>
             <a:endParaRPr lang="zh-TW" altLang="en-US"/>
           </a:p>
@@ -3346,7 +3346,7 @@
           <a:p>
             <a:fld id="{53F59838-084C-4AA6-89AC-C9A7F8C81351}" type="datetimeFigureOut">
               <a:rPr lang="zh-TW" altLang="en-US" smtClean="0"/>
-              <a:t>2021/7/24</a:t>
+              <a:t>2021/7/26</a:t>
             </a:fld>
             <a:endParaRPr lang="zh-TW" altLang="en-US"/>
           </a:p>
@@ -3559,7 +3559,7 @@
           <a:p>
             <a:fld id="{53F59838-084C-4AA6-89AC-C9A7F8C81351}" type="datetimeFigureOut">
               <a:rPr lang="zh-TW" altLang="en-US" smtClean="0"/>
-              <a:t>2021/7/24</a:t>
+              <a:t>2021/7/26</a:t>
             </a:fld>
             <a:endParaRPr lang="zh-TW" altLang="en-US"/>
           </a:p>
@@ -4097,8 +4097,20 @@
                 <a:tableStyleId>{5940675A-B579-460E-94D1-54222C63F5DA}</a:tableStyleId>
               </a:tblPr>
               <a:tblGrid>
-                <a:gridCol w="2267028"/>
-                <a:gridCol w="5371703"/>
+                <a:gridCol w="2267028">
+                  <a:extLst>
+                    <a:ext uri="{9D8B030D-6E8A-4147-A177-3AD203B41FA5}">
+                      <a16:colId xmlns:a16="http://schemas.microsoft.com/office/drawing/2014/main" val="20000"/>
+                    </a:ext>
+                  </a:extLst>
+                </a:gridCol>
+                <a:gridCol w="5371703">
+                  <a:extLst>
+                    <a:ext uri="{9D8B030D-6E8A-4147-A177-3AD203B41FA5}">
+                      <a16:colId xmlns:a16="http://schemas.microsoft.com/office/drawing/2014/main" val="20001"/>
+                    </a:ext>
+                  </a:extLst>
+                </a:gridCol>
               </a:tblGrid>
               <a:tr h="628242">
                 <a:tc>
@@ -4130,6 +4142,11 @@
                   </a:txBody>
                   <a:tcPr/>
                 </a:tc>
+                <a:extLst>
+                  <a:ext uri="{0D108BD9-81ED-4DB2-BD59-A6C34878D82A}">
+                    <a16:rowId xmlns:a16="http://schemas.microsoft.com/office/drawing/2014/main" val="10000"/>
+                  </a:ext>
+                </a:extLst>
               </a:tr>
               <a:tr h="477990">
                 <a:tc>
@@ -4157,6 +4174,11 @@
                   </a:txBody>
                   <a:tcPr/>
                 </a:tc>
+                <a:extLst>
+                  <a:ext uri="{0D108BD9-81ED-4DB2-BD59-A6C34878D82A}">
+                    <a16:rowId xmlns:a16="http://schemas.microsoft.com/office/drawing/2014/main" val="10001"/>
+                  </a:ext>
+                </a:extLst>
               </a:tr>
               <a:tr h="477990">
                 <a:tc>
@@ -4188,6 +4210,11 @@
                   </a:txBody>
                   <a:tcPr/>
                 </a:tc>
+                <a:extLst>
+                  <a:ext uri="{0D108BD9-81ED-4DB2-BD59-A6C34878D82A}">
+                    <a16:rowId xmlns:a16="http://schemas.microsoft.com/office/drawing/2014/main" val="10002"/>
+                  </a:ext>
+                </a:extLst>
               </a:tr>
               <a:tr h="477990">
                 <a:tc>
@@ -4231,6 +4258,11 @@
                   </a:txBody>
                   <a:tcPr/>
                 </a:tc>
+                <a:extLst>
+                  <a:ext uri="{0D108BD9-81ED-4DB2-BD59-A6C34878D82A}">
+                    <a16:rowId xmlns:a16="http://schemas.microsoft.com/office/drawing/2014/main" val="10003"/>
+                  </a:ext>
+                </a:extLst>
               </a:tr>
               <a:tr h="477990">
                 <a:tc>
@@ -4274,6 +4306,11 @@
                   </a:txBody>
                   <a:tcPr/>
                 </a:tc>
+                <a:extLst>
+                  <a:ext uri="{0D108BD9-81ED-4DB2-BD59-A6C34878D82A}">
+                    <a16:rowId xmlns:a16="http://schemas.microsoft.com/office/drawing/2014/main" val="10004"/>
+                  </a:ext>
+                </a:extLst>
               </a:tr>
             </a:tbl>
           </a:graphicData>
@@ -4919,11 +4956,41 @@
                 <a:tableStyleId>{5C22544A-7EE6-4342-B048-85BDC9FD1C3A}</a:tableStyleId>
               </a:tblPr>
               <a:tblGrid>
-                <a:gridCol w="1352732"/>
-                <a:gridCol w="1960880"/>
-                <a:gridCol w="3799840"/>
-                <a:gridCol w="1402080"/>
-                <a:gridCol w="1583508"/>
+                <a:gridCol w="1352732">
+                  <a:extLst>
+                    <a:ext uri="{9D8B030D-6E8A-4147-A177-3AD203B41FA5}">
+                      <a16:colId xmlns:a16="http://schemas.microsoft.com/office/drawing/2014/main" val="20000"/>
+                    </a:ext>
+                  </a:extLst>
+                </a:gridCol>
+                <a:gridCol w="1960880">
+                  <a:extLst>
+                    <a:ext uri="{9D8B030D-6E8A-4147-A177-3AD203B41FA5}">
+                      <a16:colId xmlns:a16="http://schemas.microsoft.com/office/drawing/2014/main" val="20001"/>
+                    </a:ext>
+                  </a:extLst>
+                </a:gridCol>
+                <a:gridCol w="3799840">
+                  <a:extLst>
+                    <a:ext uri="{9D8B030D-6E8A-4147-A177-3AD203B41FA5}">
+                      <a16:colId xmlns:a16="http://schemas.microsoft.com/office/drawing/2014/main" val="20002"/>
+                    </a:ext>
+                  </a:extLst>
+                </a:gridCol>
+                <a:gridCol w="1402080">
+                  <a:extLst>
+                    <a:ext uri="{9D8B030D-6E8A-4147-A177-3AD203B41FA5}">
+                      <a16:colId xmlns:a16="http://schemas.microsoft.com/office/drawing/2014/main" val="20003"/>
+                    </a:ext>
+                  </a:extLst>
+                </a:gridCol>
+                <a:gridCol w="1583508">
+                  <a:extLst>
+                    <a:ext uri="{9D8B030D-6E8A-4147-A177-3AD203B41FA5}">
+                      <a16:colId xmlns:a16="http://schemas.microsoft.com/office/drawing/2014/main" val="20004"/>
+                    </a:ext>
+                  </a:extLst>
+                </a:gridCol>
               </a:tblGrid>
               <a:tr h="392515">
                 <a:tc>
@@ -5164,6 +5231,11 @@
                     </a:lnBlToTr>
                   </a:tcPr>
                 </a:tc>
+                <a:extLst>
+                  <a:ext uri="{0D108BD9-81ED-4DB2-BD59-A6C34878D82A}">
+                    <a16:rowId xmlns:a16="http://schemas.microsoft.com/office/drawing/2014/main" val="10000"/>
+                  </a:ext>
+                </a:extLst>
               </a:tr>
               <a:tr h="392515">
                 <a:tc>
@@ -5374,6 +5446,11 @@
                     </a:lnBlToTr>
                   </a:tcPr>
                 </a:tc>
+                <a:extLst>
+                  <a:ext uri="{0D108BD9-81ED-4DB2-BD59-A6C34878D82A}">
+                    <a16:rowId xmlns:a16="http://schemas.microsoft.com/office/drawing/2014/main" val="10001"/>
+                  </a:ext>
+                </a:extLst>
               </a:tr>
               <a:tr h="392515">
                 <a:tc>
@@ -5576,6 +5653,11 @@
                     </a:lnBlToTr>
                   </a:tcPr>
                 </a:tc>
+                <a:extLst>
+                  <a:ext uri="{0D108BD9-81ED-4DB2-BD59-A6C34878D82A}">
+                    <a16:rowId xmlns:a16="http://schemas.microsoft.com/office/drawing/2014/main" val="10002"/>
+                  </a:ext>
+                </a:extLst>
               </a:tr>
               <a:tr h="392515">
                 <a:tc>
@@ -5778,6 +5860,11 @@
                     </a:lnBlToTr>
                   </a:tcPr>
                 </a:tc>
+                <a:extLst>
+                  <a:ext uri="{0D108BD9-81ED-4DB2-BD59-A6C34878D82A}">
+                    <a16:rowId xmlns:a16="http://schemas.microsoft.com/office/drawing/2014/main" val="10003"/>
+                  </a:ext>
+                </a:extLst>
               </a:tr>
               <a:tr h="392515">
                 <a:tc>
@@ -5980,6 +6067,11 @@
                     </a:lnBlToTr>
                   </a:tcPr>
                 </a:tc>
+                <a:extLst>
+                  <a:ext uri="{0D108BD9-81ED-4DB2-BD59-A6C34878D82A}">
+                    <a16:rowId xmlns:a16="http://schemas.microsoft.com/office/drawing/2014/main" val="10004"/>
+                  </a:ext>
+                </a:extLst>
               </a:tr>
             </a:tbl>
           </a:graphicData>
@@ -6010,8 +6102,20 @@
                 <a:tableStyleId>{93296810-A885-4BE3-A3E7-6D5BEEA58F35}</a:tableStyleId>
               </a:tblPr>
               <a:tblGrid>
-                <a:gridCol w="4675052"/>
-                <a:gridCol w="5423988"/>
+                <a:gridCol w="4675052">
+                  <a:extLst>
+                    <a:ext uri="{9D8B030D-6E8A-4147-A177-3AD203B41FA5}">
+                      <a16:colId xmlns:a16="http://schemas.microsoft.com/office/drawing/2014/main" val="20000"/>
+                    </a:ext>
+                  </a:extLst>
+                </a:gridCol>
+                <a:gridCol w="5423988">
+                  <a:extLst>
+                    <a:ext uri="{9D8B030D-6E8A-4147-A177-3AD203B41FA5}">
+                      <a16:colId xmlns:a16="http://schemas.microsoft.com/office/drawing/2014/main" val="20001"/>
+                    </a:ext>
+                  </a:extLst>
+                </a:gridCol>
               </a:tblGrid>
               <a:tr h="487411">
                 <a:tc>
@@ -6067,6 +6171,11 @@
                   </a:txBody>
                   <a:tcPr/>
                 </a:tc>
+                <a:extLst>
+                  <a:ext uri="{0D108BD9-81ED-4DB2-BD59-A6C34878D82A}">
+                    <a16:rowId xmlns:a16="http://schemas.microsoft.com/office/drawing/2014/main" val="10000"/>
+                  </a:ext>
+                </a:extLst>
               </a:tr>
               <a:tr h="370840">
                 <a:tc>
@@ -6098,6 +6207,11 @@
                   </a:txBody>
                   <a:tcPr/>
                 </a:tc>
+                <a:extLst>
+                  <a:ext uri="{0D108BD9-81ED-4DB2-BD59-A6C34878D82A}">
+                    <a16:rowId xmlns:a16="http://schemas.microsoft.com/office/drawing/2014/main" val="10001"/>
+                  </a:ext>
+                </a:extLst>
               </a:tr>
               <a:tr h="370840">
                 <a:tc>
@@ -6125,6 +6239,11 @@
                   </a:txBody>
                   <a:tcPr/>
                 </a:tc>
+                <a:extLst>
+                  <a:ext uri="{0D108BD9-81ED-4DB2-BD59-A6C34878D82A}">
+                    <a16:rowId xmlns:a16="http://schemas.microsoft.com/office/drawing/2014/main" val="10002"/>
+                  </a:ext>
+                </a:extLst>
               </a:tr>
               <a:tr h="370840">
                 <a:tc>
@@ -6152,6 +6271,11 @@
                   </a:txBody>
                   <a:tcPr/>
                 </a:tc>
+                <a:extLst>
+                  <a:ext uri="{0D108BD9-81ED-4DB2-BD59-A6C34878D82A}">
+                    <a16:rowId xmlns:a16="http://schemas.microsoft.com/office/drawing/2014/main" val="10003"/>
+                  </a:ext>
+                </a:extLst>
               </a:tr>
             </a:tbl>
           </a:graphicData>
@@ -6967,10 +7091,34 @@
                 <a:tableStyleId>{5C22544A-7EE6-4342-B048-85BDC9FD1C3A}</a:tableStyleId>
               </a:tblPr>
               <a:tblGrid>
-                <a:gridCol w="1088091"/>
-                <a:gridCol w="7249269"/>
-                <a:gridCol w="903602"/>
-                <a:gridCol w="903602"/>
+                <a:gridCol w="1088091">
+                  <a:extLst>
+                    <a:ext uri="{9D8B030D-6E8A-4147-A177-3AD203B41FA5}">
+                      <a16:colId xmlns:a16="http://schemas.microsoft.com/office/drawing/2014/main" val="20000"/>
+                    </a:ext>
+                  </a:extLst>
+                </a:gridCol>
+                <a:gridCol w="7249269">
+                  <a:extLst>
+                    <a:ext uri="{9D8B030D-6E8A-4147-A177-3AD203B41FA5}">
+                      <a16:colId xmlns:a16="http://schemas.microsoft.com/office/drawing/2014/main" val="20001"/>
+                    </a:ext>
+                  </a:extLst>
+                </a:gridCol>
+                <a:gridCol w="903602">
+                  <a:extLst>
+                    <a:ext uri="{9D8B030D-6E8A-4147-A177-3AD203B41FA5}">
+                      <a16:colId xmlns:a16="http://schemas.microsoft.com/office/drawing/2014/main" val="20002"/>
+                    </a:ext>
+                  </a:extLst>
+                </a:gridCol>
+                <a:gridCol w="903602">
+                  <a:extLst>
+                    <a:ext uri="{9D8B030D-6E8A-4147-A177-3AD203B41FA5}">
+                      <a16:colId xmlns:a16="http://schemas.microsoft.com/office/drawing/2014/main" val="20003"/>
+                    </a:ext>
+                  </a:extLst>
+                </a:gridCol>
               </a:tblGrid>
               <a:tr h="370840">
                 <a:tc>
@@ -7037,6 +7185,11 @@
                   </a:txBody>
                   <a:tcPr anchor="ctr"/>
                 </a:tc>
+                <a:extLst>
+                  <a:ext uri="{0D108BD9-81ED-4DB2-BD59-A6C34878D82A}">
+                    <a16:rowId xmlns:a16="http://schemas.microsoft.com/office/drawing/2014/main" val="10000"/>
+                  </a:ext>
+                </a:extLst>
               </a:tr>
               <a:tr h="370840">
                 <a:tc>
@@ -7087,6 +7240,11 @@
                   </a:txBody>
                   <a:tcPr/>
                 </a:tc>
+                <a:extLst>
+                  <a:ext uri="{0D108BD9-81ED-4DB2-BD59-A6C34878D82A}">
+                    <a16:rowId xmlns:a16="http://schemas.microsoft.com/office/drawing/2014/main" val="10001"/>
+                  </a:ext>
+                </a:extLst>
               </a:tr>
               <a:tr h="370840">
                 <a:tc>
@@ -7137,6 +7295,11 @@
                   </a:txBody>
                   <a:tcPr/>
                 </a:tc>
+                <a:extLst>
+                  <a:ext uri="{0D108BD9-81ED-4DB2-BD59-A6C34878D82A}">
+                    <a16:rowId xmlns:a16="http://schemas.microsoft.com/office/drawing/2014/main" val="10002"/>
+                  </a:ext>
+                </a:extLst>
               </a:tr>
             </a:tbl>
           </a:graphicData>
@@ -7384,7 +7547,13 @@
                 <a:tableStyleId>{5C22544A-7EE6-4342-B048-85BDC9FD1C3A}</a:tableStyleId>
               </a:tblPr>
               <a:tblGrid>
-                <a:gridCol w="4737463"/>
+                <a:gridCol w="4737463">
+                  <a:extLst>
+                    <a:ext uri="{9D8B030D-6E8A-4147-A177-3AD203B41FA5}">
+                      <a16:colId xmlns:a16="http://schemas.microsoft.com/office/drawing/2014/main" val="20000"/>
+                    </a:ext>
+                  </a:extLst>
+                </a:gridCol>
               </a:tblGrid>
               <a:tr h="2010824">
                 <a:tc>
@@ -7404,6 +7573,11 @@
                   </a:txBody>
                   <a:tcPr/>
                 </a:tc>
+                <a:extLst>
+                  <a:ext uri="{0D108BD9-81ED-4DB2-BD59-A6C34878D82A}">
+                    <a16:rowId xmlns:a16="http://schemas.microsoft.com/office/drawing/2014/main" val="10000"/>
+                  </a:ext>
+                </a:extLst>
               </a:tr>
               <a:tr h="629920">
                 <a:tc>
@@ -7428,6 +7602,11 @@
                   </a:txBody>
                   <a:tcPr/>
                 </a:tc>
+                <a:extLst>
+                  <a:ext uri="{0D108BD9-81ED-4DB2-BD59-A6C34878D82A}">
+                    <a16:rowId xmlns:a16="http://schemas.microsoft.com/office/drawing/2014/main" val="10001"/>
+                  </a:ext>
+                </a:extLst>
               </a:tr>
               <a:tr h="477520">
                 <a:tc>
@@ -7444,6 +7623,11 @@
                   </a:txBody>
                   <a:tcPr/>
                 </a:tc>
+                <a:extLst>
+                  <a:ext uri="{0D108BD9-81ED-4DB2-BD59-A6C34878D82A}">
+                    <a16:rowId xmlns:a16="http://schemas.microsoft.com/office/drawing/2014/main" val="10002"/>
+                  </a:ext>
+                </a:extLst>
               </a:tr>
             </a:tbl>
           </a:graphicData>
@@ -11435,8 +11619,20 @@
                 <a:tableStyleId>{5940675A-B579-460E-94D1-54222C63F5DA}</a:tableStyleId>
               </a:tblPr>
               <a:tblGrid>
-                <a:gridCol w="924560"/>
-                <a:gridCol w="4602480"/>
+                <a:gridCol w="924560">
+                  <a:extLst>
+                    <a:ext uri="{9D8B030D-6E8A-4147-A177-3AD203B41FA5}">
+                      <a16:colId xmlns:a16="http://schemas.microsoft.com/office/drawing/2014/main" val="20000"/>
+                    </a:ext>
+                  </a:extLst>
+                </a:gridCol>
+                <a:gridCol w="4602480">
+                  <a:extLst>
+                    <a:ext uri="{9D8B030D-6E8A-4147-A177-3AD203B41FA5}">
+                      <a16:colId xmlns:a16="http://schemas.microsoft.com/office/drawing/2014/main" val="20001"/>
+                    </a:ext>
+                  </a:extLst>
+                </a:gridCol>
               </a:tblGrid>
               <a:tr h="682981">
                 <a:tc>
@@ -11465,6 +11661,11 @@
                   </a:txBody>
                   <a:tcPr anchor="ctr"/>
                 </a:tc>
+                <a:extLst>
+                  <a:ext uri="{0D108BD9-81ED-4DB2-BD59-A6C34878D82A}">
+                    <a16:rowId xmlns:a16="http://schemas.microsoft.com/office/drawing/2014/main" val="10000"/>
+                  </a:ext>
+                </a:extLst>
               </a:tr>
               <a:tr h="692226">
                 <a:tc>
@@ -11493,6 +11694,11 @@
                   </a:txBody>
                   <a:tcPr anchor="ctr"/>
                 </a:tc>
+                <a:extLst>
+                  <a:ext uri="{0D108BD9-81ED-4DB2-BD59-A6C34878D82A}">
+                    <a16:rowId xmlns:a16="http://schemas.microsoft.com/office/drawing/2014/main" val="10001"/>
+                  </a:ext>
+                </a:extLst>
               </a:tr>
               <a:tr h="692226">
                 <a:tc>
@@ -11521,6 +11727,11 @@
                   </a:txBody>
                   <a:tcPr anchor="ctr"/>
                 </a:tc>
+                <a:extLst>
+                  <a:ext uri="{0D108BD9-81ED-4DB2-BD59-A6C34878D82A}">
+                    <a16:rowId xmlns:a16="http://schemas.microsoft.com/office/drawing/2014/main" val="10002"/>
+                  </a:ext>
+                </a:extLst>
               </a:tr>
             </a:tbl>
           </a:graphicData>

--- a/文件存放區/電影評什麼UI設計.pptx
+++ b/文件存放區/電影評什麼UI設計.pptx
@@ -208,7 +208,7 @@
           <a:p>
             <a:fld id="{49495778-5C31-43CC-9C35-26D7D5F7478C}" type="datetimeFigureOut">
               <a:rPr lang="zh-TW" altLang="en-US" smtClean="0"/>
-              <a:t>2021/7/26</a:t>
+              <a:t>2021/7/31</a:t>
             </a:fld>
             <a:endParaRPr lang="zh-TW" altLang="en-US"/>
           </a:p>
@@ -1238,7 +1238,7 @@
           <a:p>
             <a:fld id="{53F59838-084C-4AA6-89AC-C9A7F8C81351}" type="datetimeFigureOut">
               <a:rPr lang="zh-TW" altLang="en-US" smtClean="0"/>
-              <a:t>2021/7/26</a:t>
+              <a:t>2021/7/31</a:t>
             </a:fld>
             <a:endParaRPr lang="zh-TW" altLang="en-US"/>
           </a:p>
@@ -1408,7 +1408,7 @@
           <a:p>
             <a:fld id="{53F59838-084C-4AA6-89AC-C9A7F8C81351}" type="datetimeFigureOut">
               <a:rPr lang="zh-TW" altLang="en-US" smtClean="0"/>
-              <a:t>2021/7/26</a:t>
+              <a:t>2021/7/31</a:t>
             </a:fld>
             <a:endParaRPr lang="zh-TW" altLang="en-US"/>
           </a:p>
@@ -1588,7 +1588,7 @@
           <a:p>
             <a:fld id="{53F59838-084C-4AA6-89AC-C9A7F8C81351}" type="datetimeFigureOut">
               <a:rPr lang="zh-TW" altLang="en-US" smtClean="0"/>
-              <a:t>2021/7/26</a:t>
+              <a:t>2021/7/31</a:t>
             </a:fld>
             <a:endParaRPr lang="zh-TW" altLang="en-US"/>
           </a:p>
@@ -1758,7 +1758,7 @@
           <a:p>
             <a:fld id="{53F59838-084C-4AA6-89AC-C9A7F8C81351}" type="datetimeFigureOut">
               <a:rPr lang="zh-TW" altLang="en-US" smtClean="0"/>
-              <a:t>2021/7/26</a:t>
+              <a:t>2021/7/31</a:t>
             </a:fld>
             <a:endParaRPr lang="zh-TW" altLang="en-US"/>
           </a:p>
@@ -2004,7 +2004,7 @@
           <a:p>
             <a:fld id="{53F59838-084C-4AA6-89AC-C9A7F8C81351}" type="datetimeFigureOut">
               <a:rPr lang="zh-TW" altLang="en-US" smtClean="0"/>
-              <a:t>2021/7/26</a:t>
+              <a:t>2021/7/31</a:t>
             </a:fld>
             <a:endParaRPr lang="zh-TW" altLang="en-US"/>
           </a:p>
@@ -2236,7 +2236,7 @@
           <a:p>
             <a:fld id="{53F59838-084C-4AA6-89AC-C9A7F8C81351}" type="datetimeFigureOut">
               <a:rPr lang="zh-TW" altLang="en-US" smtClean="0"/>
-              <a:t>2021/7/26</a:t>
+              <a:t>2021/7/31</a:t>
             </a:fld>
             <a:endParaRPr lang="zh-TW" altLang="en-US"/>
           </a:p>
@@ -2603,7 +2603,7 @@
           <a:p>
             <a:fld id="{53F59838-084C-4AA6-89AC-C9A7F8C81351}" type="datetimeFigureOut">
               <a:rPr lang="zh-TW" altLang="en-US" smtClean="0"/>
-              <a:t>2021/7/26</a:t>
+              <a:t>2021/7/31</a:t>
             </a:fld>
             <a:endParaRPr lang="zh-TW" altLang="en-US"/>
           </a:p>
@@ -2721,7 +2721,7 @@
           <a:p>
             <a:fld id="{53F59838-084C-4AA6-89AC-C9A7F8C81351}" type="datetimeFigureOut">
               <a:rPr lang="zh-TW" altLang="en-US" smtClean="0"/>
-              <a:t>2021/7/26</a:t>
+              <a:t>2021/7/31</a:t>
             </a:fld>
             <a:endParaRPr lang="zh-TW" altLang="en-US"/>
           </a:p>
@@ -2816,7 +2816,7 @@
           <a:p>
             <a:fld id="{53F59838-084C-4AA6-89AC-C9A7F8C81351}" type="datetimeFigureOut">
               <a:rPr lang="zh-TW" altLang="en-US" smtClean="0"/>
-              <a:t>2021/7/26</a:t>
+              <a:t>2021/7/31</a:t>
             </a:fld>
             <a:endParaRPr lang="zh-TW" altLang="en-US"/>
           </a:p>
@@ -3093,7 +3093,7 @@
           <a:p>
             <a:fld id="{53F59838-084C-4AA6-89AC-C9A7F8C81351}" type="datetimeFigureOut">
               <a:rPr lang="zh-TW" altLang="en-US" smtClean="0"/>
-              <a:t>2021/7/26</a:t>
+              <a:t>2021/7/31</a:t>
             </a:fld>
             <a:endParaRPr lang="zh-TW" altLang="en-US"/>
           </a:p>
@@ -3346,7 +3346,7 @@
           <a:p>
             <a:fld id="{53F59838-084C-4AA6-89AC-C9A7F8C81351}" type="datetimeFigureOut">
               <a:rPr lang="zh-TW" altLang="en-US" smtClean="0"/>
-              <a:t>2021/7/26</a:t>
+              <a:t>2021/7/31</a:t>
             </a:fld>
             <a:endParaRPr lang="zh-TW" altLang="en-US"/>
           </a:p>
@@ -3559,7 +3559,7 @@
           <a:p>
             <a:fld id="{53F59838-084C-4AA6-89AC-C9A7F8C81351}" type="datetimeFigureOut">
               <a:rPr lang="zh-TW" altLang="en-US" smtClean="0"/>
-              <a:t>2021/7/26</a:t>
+              <a:t>2021/7/31</a:t>
             </a:fld>
             <a:endParaRPr lang="zh-TW" altLang="en-US"/>
           </a:p>
@@ -4100,14 +4100,14 @@
                 <a:gridCol w="2267028">
                   <a:extLst>
                     <a:ext uri="{9D8B030D-6E8A-4147-A177-3AD203B41FA5}">
-                      <a16:colId xmlns:a16="http://schemas.microsoft.com/office/drawing/2014/main" val="20000"/>
+                      <a16:colId xmlns:a16="http://schemas.microsoft.com/office/drawing/2014/main" xmlns="" val="20000"/>
                     </a:ext>
                   </a:extLst>
                 </a:gridCol>
                 <a:gridCol w="5371703">
                   <a:extLst>
                     <a:ext uri="{9D8B030D-6E8A-4147-A177-3AD203B41FA5}">
-                      <a16:colId xmlns:a16="http://schemas.microsoft.com/office/drawing/2014/main" val="20001"/>
+                      <a16:colId xmlns:a16="http://schemas.microsoft.com/office/drawing/2014/main" xmlns="" val="20001"/>
                     </a:ext>
                   </a:extLst>
                 </a:gridCol>
@@ -4144,7 +4144,7 @@
                 </a:tc>
                 <a:extLst>
                   <a:ext uri="{0D108BD9-81ED-4DB2-BD59-A6C34878D82A}">
-                    <a16:rowId xmlns:a16="http://schemas.microsoft.com/office/drawing/2014/main" val="10000"/>
+                    <a16:rowId xmlns:a16="http://schemas.microsoft.com/office/drawing/2014/main" xmlns="" val="10000"/>
                   </a:ext>
                 </a:extLst>
               </a:tr>
@@ -4176,7 +4176,7 @@
                 </a:tc>
                 <a:extLst>
                   <a:ext uri="{0D108BD9-81ED-4DB2-BD59-A6C34878D82A}">
-                    <a16:rowId xmlns:a16="http://schemas.microsoft.com/office/drawing/2014/main" val="10001"/>
+                    <a16:rowId xmlns:a16="http://schemas.microsoft.com/office/drawing/2014/main" xmlns="" val="10001"/>
                   </a:ext>
                 </a:extLst>
               </a:tr>
@@ -4212,7 +4212,7 @@
                 </a:tc>
                 <a:extLst>
                   <a:ext uri="{0D108BD9-81ED-4DB2-BD59-A6C34878D82A}">
-                    <a16:rowId xmlns:a16="http://schemas.microsoft.com/office/drawing/2014/main" val="10002"/>
+                    <a16:rowId xmlns:a16="http://schemas.microsoft.com/office/drawing/2014/main" xmlns="" val="10002"/>
                   </a:ext>
                 </a:extLst>
               </a:tr>
@@ -4260,7 +4260,7 @@
                 </a:tc>
                 <a:extLst>
                   <a:ext uri="{0D108BD9-81ED-4DB2-BD59-A6C34878D82A}">
-                    <a16:rowId xmlns:a16="http://schemas.microsoft.com/office/drawing/2014/main" val="10003"/>
+                    <a16:rowId xmlns:a16="http://schemas.microsoft.com/office/drawing/2014/main" xmlns="" val="10003"/>
                   </a:ext>
                 </a:extLst>
               </a:tr>
@@ -4308,7 +4308,7 @@
                 </a:tc>
                 <a:extLst>
                   <a:ext uri="{0D108BD9-81ED-4DB2-BD59-A6C34878D82A}">
-                    <a16:rowId xmlns:a16="http://schemas.microsoft.com/office/drawing/2014/main" val="10004"/>
+                    <a16:rowId xmlns:a16="http://schemas.microsoft.com/office/drawing/2014/main" xmlns="" val="10004"/>
                   </a:ext>
                 </a:extLst>
               </a:tr>
@@ -4959,35 +4959,35 @@
                 <a:gridCol w="1352732">
                   <a:extLst>
                     <a:ext uri="{9D8B030D-6E8A-4147-A177-3AD203B41FA5}">
-                      <a16:colId xmlns:a16="http://schemas.microsoft.com/office/drawing/2014/main" val="20000"/>
+                      <a16:colId xmlns:a16="http://schemas.microsoft.com/office/drawing/2014/main" xmlns="" val="20000"/>
                     </a:ext>
                   </a:extLst>
                 </a:gridCol>
                 <a:gridCol w="1960880">
                   <a:extLst>
                     <a:ext uri="{9D8B030D-6E8A-4147-A177-3AD203B41FA5}">
-                      <a16:colId xmlns:a16="http://schemas.microsoft.com/office/drawing/2014/main" val="20001"/>
+                      <a16:colId xmlns:a16="http://schemas.microsoft.com/office/drawing/2014/main" xmlns="" val="20001"/>
                     </a:ext>
                   </a:extLst>
                 </a:gridCol>
                 <a:gridCol w="3799840">
                   <a:extLst>
                     <a:ext uri="{9D8B030D-6E8A-4147-A177-3AD203B41FA5}">
-                      <a16:colId xmlns:a16="http://schemas.microsoft.com/office/drawing/2014/main" val="20002"/>
+                      <a16:colId xmlns:a16="http://schemas.microsoft.com/office/drawing/2014/main" xmlns="" val="20002"/>
                     </a:ext>
                   </a:extLst>
                 </a:gridCol>
                 <a:gridCol w="1402080">
                   <a:extLst>
                     <a:ext uri="{9D8B030D-6E8A-4147-A177-3AD203B41FA5}">
-                      <a16:colId xmlns:a16="http://schemas.microsoft.com/office/drawing/2014/main" val="20003"/>
+                      <a16:colId xmlns:a16="http://schemas.microsoft.com/office/drawing/2014/main" xmlns="" val="20003"/>
                     </a:ext>
                   </a:extLst>
                 </a:gridCol>
                 <a:gridCol w="1583508">
                   <a:extLst>
                     <a:ext uri="{9D8B030D-6E8A-4147-A177-3AD203B41FA5}">
-                      <a16:colId xmlns:a16="http://schemas.microsoft.com/office/drawing/2014/main" val="20004"/>
+                      <a16:colId xmlns:a16="http://schemas.microsoft.com/office/drawing/2014/main" xmlns="" val="20004"/>
                     </a:ext>
                   </a:extLst>
                 </a:gridCol>
@@ -5233,7 +5233,7 @@
                 </a:tc>
                 <a:extLst>
                   <a:ext uri="{0D108BD9-81ED-4DB2-BD59-A6C34878D82A}">
-                    <a16:rowId xmlns:a16="http://schemas.microsoft.com/office/drawing/2014/main" val="10000"/>
+                    <a16:rowId xmlns:a16="http://schemas.microsoft.com/office/drawing/2014/main" xmlns="" val="10000"/>
                   </a:ext>
                 </a:extLst>
               </a:tr>
@@ -5448,7 +5448,7 @@
                 </a:tc>
                 <a:extLst>
                   <a:ext uri="{0D108BD9-81ED-4DB2-BD59-A6C34878D82A}">
-                    <a16:rowId xmlns:a16="http://schemas.microsoft.com/office/drawing/2014/main" val="10001"/>
+                    <a16:rowId xmlns:a16="http://schemas.microsoft.com/office/drawing/2014/main" xmlns="" val="10001"/>
                   </a:ext>
                 </a:extLst>
               </a:tr>
@@ -5655,7 +5655,7 @@
                 </a:tc>
                 <a:extLst>
                   <a:ext uri="{0D108BD9-81ED-4DB2-BD59-A6C34878D82A}">
-                    <a16:rowId xmlns:a16="http://schemas.microsoft.com/office/drawing/2014/main" val="10002"/>
+                    <a16:rowId xmlns:a16="http://schemas.microsoft.com/office/drawing/2014/main" xmlns="" val="10002"/>
                   </a:ext>
                 </a:extLst>
               </a:tr>
@@ -5862,7 +5862,7 @@
                 </a:tc>
                 <a:extLst>
                   <a:ext uri="{0D108BD9-81ED-4DB2-BD59-A6C34878D82A}">
-                    <a16:rowId xmlns:a16="http://schemas.microsoft.com/office/drawing/2014/main" val="10003"/>
+                    <a16:rowId xmlns:a16="http://schemas.microsoft.com/office/drawing/2014/main" xmlns="" val="10003"/>
                   </a:ext>
                 </a:extLst>
               </a:tr>
@@ -6069,7 +6069,7 @@
                 </a:tc>
                 <a:extLst>
                   <a:ext uri="{0D108BD9-81ED-4DB2-BD59-A6C34878D82A}">
-                    <a16:rowId xmlns:a16="http://schemas.microsoft.com/office/drawing/2014/main" val="10004"/>
+                    <a16:rowId xmlns:a16="http://schemas.microsoft.com/office/drawing/2014/main" xmlns="" val="10004"/>
                   </a:ext>
                 </a:extLst>
               </a:tr>
@@ -6105,14 +6105,14 @@
                 <a:gridCol w="4675052">
                   <a:extLst>
                     <a:ext uri="{9D8B030D-6E8A-4147-A177-3AD203B41FA5}">
-                      <a16:colId xmlns:a16="http://schemas.microsoft.com/office/drawing/2014/main" val="20000"/>
+                      <a16:colId xmlns:a16="http://schemas.microsoft.com/office/drawing/2014/main" xmlns="" val="20000"/>
                     </a:ext>
                   </a:extLst>
                 </a:gridCol>
                 <a:gridCol w="5423988">
                   <a:extLst>
                     <a:ext uri="{9D8B030D-6E8A-4147-A177-3AD203B41FA5}">
-                      <a16:colId xmlns:a16="http://schemas.microsoft.com/office/drawing/2014/main" val="20001"/>
+                      <a16:colId xmlns:a16="http://schemas.microsoft.com/office/drawing/2014/main" xmlns="" val="20001"/>
                     </a:ext>
                   </a:extLst>
                 </a:gridCol>
@@ -6173,7 +6173,7 @@
                 </a:tc>
                 <a:extLst>
                   <a:ext uri="{0D108BD9-81ED-4DB2-BD59-A6C34878D82A}">
-                    <a16:rowId xmlns:a16="http://schemas.microsoft.com/office/drawing/2014/main" val="10000"/>
+                    <a16:rowId xmlns:a16="http://schemas.microsoft.com/office/drawing/2014/main" xmlns="" val="10000"/>
                   </a:ext>
                 </a:extLst>
               </a:tr>
@@ -6209,7 +6209,7 @@
                 </a:tc>
                 <a:extLst>
                   <a:ext uri="{0D108BD9-81ED-4DB2-BD59-A6C34878D82A}">
-                    <a16:rowId xmlns:a16="http://schemas.microsoft.com/office/drawing/2014/main" val="10001"/>
+                    <a16:rowId xmlns:a16="http://schemas.microsoft.com/office/drawing/2014/main" xmlns="" val="10001"/>
                   </a:ext>
                 </a:extLst>
               </a:tr>
@@ -6241,7 +6241,7 @@
                 </a:tc>
                 <a:extLst>
                   <a:ext uri="{0D108BD9-81ED-4DB2-BD59-A6C34878D82A}">
-                    <a16:rowId xmlns:a16="http://schemas.microsoft.com/office/drawing/2014/main" val="10002"/>
+                    <a16:rowId xmlns:a16="http://schemas.microsoft.com/office/drawing/2014/main" xmlns="" val="10002"/>
                   </a:ext>
                 </a:extLst>
               </a:tr>
@@ -6273,7 +6273,7 @@
                 </a:tc>
                 <a:extLst>
                   <a:ext uri="{0D108BD9-81ED-4DB2-BD59-A6C34878D82A}">
-                    <a16:rowId xmlns:a16="http://schemas.microsoft.com/office/drawing/2014/main" val="10003"/>
+                    <a16:rowId xmlns:a16="http://schemas.microsoft.com/office/drawing/2014/main" xmlns="" val="10003"/>
                   </a:ext>
                 </a:extLst>
               </a:tr>
@@ -7094,28 +7094,28 @@
                 <a:gridCol w="1088091">
                   <a:extLst>
                     <a:ext uri="{9D8B030D-6E8A-4147-A177-3AD203B41FA5}">
-                      <a16:colId xmlns:a16="http://schemas.microsoft.com/office/drawing/2014/main" val="20000"/>
+                      <a16:colId xmlns:a16="http://schemas.microsoft.com/office/drawing/2014/main" xmlns="" val="20000"/>
                     </a:ext>
                   </a:extLst>
                 </a:gridCol>
                 <a:gridCol w="7249269">
                   <a:extLst>
                     <a:ext uri="{9D8B030D-6E8A-4147-A177-3AD203B41FA5}">
-                      <a16:colId xmlns:a16="http://schemas.microsoft.com/office/drawing/2014/main" val="20001"/>
+                      <a16:colId xmlns:a16="http://schemas.microsoft.com/office/drawing/2014/main" xmlns="" val="20001"/>
                     </a:ext>
                   </a:extLst>
                 </a:gridCol>
                 <a:gridCol w="903602">
                   <a:extLst>
                     <a:ext uri="{9D8B030D-6E8A-4147-A177-3AD203B41FA5}">
-                      <a16:colId xmlns:a16="http://schemas.microsoft.com/office/drawing/2014/main" val="20002"/>
+                      <a16:colId xmlns:a16="http://schemas.microsoft.com/office/drawing/2014/main" xmlns="" val="20002"/>
                     </a:ext>
                   </a:extLst>
                 </a:gridCol>
                 <a:gridCol w="903602">
                   <a:extLst>
                     <a:ext uri="{9D8B030D-6E8A-4147-A177-3AD203B41FA5}">
-                      <a16:colId xmlns:a16="http://schemas.microsoft.com/office/drawing/2014/main" val="20003"/>
+                      <a16:colId xmlns:a16="http://schemas.microsoft.com/office/drawing/2014/main" xmlns="" val="20003"/>
                     </a:ext>
                   </a:extLst>
                 </a:gridCol>
@@ -7187,7 +7187,7 @@
                 </a:tc>
                 <a:extLst>
                   <a:ext uri="{0D108BD9-81ED-4DB2-BD59-A6C34878D82A}">
-                    <a16:rowId xmlns:a16="http://schemas.microsoft.com/office/drawing/2014/main" val="10000"/>
+                    <a16:rowId xmlns:a16="http://schemas.microsoft.com/office/drawing/2014/main" xmlns="" val="10000"/>
                   </a:ext>
                 </a:extLst>
               </a:tr>
@@ -7242,7 +7242,7 @@
                 </a:tc>
                 <a:extLst>
                   <a:ext uri="{0D108BD9-81ED-4DB2-BD59-A6C34878D82A}">
-                    <a16:rowId xmlns:a16="http://schemas.microsoft.com/office/drawing/2014/main" val="10001"/>
+                    <a16:rowId xmlns:a16="http://schemas.microsoft.com/office/drawing/2014/main" xmlns="" val="10001"/>
                   </a:ext>
                 </a:extLst>
               </a:tr>
@@ -7297,7 +7297,7 @@
                 </a:tc>
                 <a:extLst>
                   <a:ext uri="{0D108BD9-81ED-4DB2-BD59-A6C34878D82A}">
-                    <a16:rowId xmlns:a16="http://schemas.microsoft.com/office/drawing/2014/main" val="10002"/>
+                    <a16:rowId xmlns:a16="http://schemas.microsoft.com/office/drawing/2014/main" xmlns="" val="10002"/>
                   </a:ext>
                 </a:extLst>
               </a:tr>
@@ -7550,7 +7550,7 @@
                 <a:gridCol w="4737463">
                   <a:extLst>
                     <a:ext uri="{9D8B030D-6E8A-4147-A177-3AD203B41FA5}">
-                      <a16:colId xmlns:a16="http://schemas.microsoft.com/office/drawing/2014/main" val="20000"/>
+                      <a16:colId xmlns:a16="http://schemas.microsoft.com/office/drawing/2014/main" xmlns="" val="20000"/>
                     </a:ext>
                   </a:extLst>
                 </a:gridCol>
@@ -7575,7 +7575,7 @@
                 </a:tc>
                 <a:extLst>
                   <a:ext uri="{0D108BD9-81ED-4DB2-BD59-A6C34878D82A}">
-                    <a16:rowId xmlns:a16="http://schemas.microsoft.com/office/drawing/2014/main" val="10000"/>
+                    <a16:rowId xmlns:a16="http://schemas.microsoft.com/office/drawing/2014/main" xmlns="" val="10000"/>
                   </a:ext>
                 </a:extLst>
               </a:tr>
@@ -7604,7 +7604,7 @@
                 </a:tc>
                 <a:extLst>
                   <a:ext uri="{0D108BD9-81ED-4DB2-BD59-A6C34878D82A}">
-                    <a16:rowId xmlns:a16="http://schemas.microsoft.com/office/drawing/2014/main" val="10001"/>
+                    <a16:rowId xmlns:a16="http://schemas.microsoft.com/office/drawing/2014/main" xmlns="" val="10001"/>
                   </a:ext>
                 </a:extLst>
               </a:tr>
@@ -7625,7 +7625,7 @@
                 </a:tc>
                 <a:extLst>
                   <a:ext uri="{0D108BD9-81ED-4DB2-BD59-A6C34878D82A}">
-                    <a16:rowId xmlns:a16="http://schemas.microsoft.com/office/drawing/2014/main" val="10002"/>
+                    <a16:rowId xmlns:a16="http://schemas.microsoft.com/office/drawing/2014/main" xmlns="" val="10002"/>
                   </a:ext>
                 </a:extLst>
               </a:tr>
@@ -11603,14 +11603,14 @@
           <p:nvPr>
             <p:extLst>
               <p:ext uri="{D42A27DB-BD31-4B8C-83A1-F6EECF244321}">
-                <p14:modId xmlns:p14="http://schemas.microsoft.com/office/powerpoint/2010/main" val="624252385"/>
+                <p14:modId xmlns:p14="http://schemas.microsoft.com/office/powerpoint/2010/main" val="261322743"/>
               </p:ext>
             </p:extLst>
           </p:nvPr>
         </p:nvGraphicFramePr>
         <p:xfrm>
           <a:off x="3545840" y="2047367"/>
-          <a:ext cx="5527040" cy="2067433"/>
+          <a:ext cx="5527040" cy="2759659"/>
         </p:xfrm>
         <a:graphic>
           <a:graphicData uri="http://schemas.openxmlformats.org/drawingml/2006/table">
@@ -11619,17 +11619,17 @@
                 <a:tableStyleId>{5940675A-B579-460E-94D1-54222C63F5DA}</a:tableStyleId>
               </a:tblPr>
               <a:tblGrid>
-                <a:gridCol w="924560">
+                <a:gridCol w="1715092">
                   <a:extLst>
                     <a:ext uri="{9D8B030D-6E8A-4147-A177-3AD203B41FA5}">
-                      <a16:colId xmlns:a16="http://schemas.microsoft.com/office/drawing/2014/main" val="20000"/>
+                      <a16:colId xmlns:a16="http://schemas.microsoft.com/office/drawing/2014/main" xmlns="" val="20000"/>
                     </a:ext>
                   </a:extLst>
                 </a:gridCol>
-                <a:gridCol w="4602480">
+                <a:gridCol w="3811948">
                   <a:extLst>
                     <a:ext uri="{9D8B030D-6E8A-4147-A177-3AD203B41FA5}">
-                      <a16:colId xmlns:a16="http://schemas.microsoft.com/office/drawing/2014/main" val="20001"/>
+                      <a16:colId xmlns:a16="http://schemas.microsoft.com/office/drawing/2014/main" xmlns="" val="20001"/>
                     </a:ext>
                   </a:extLst>
                 </a:gridCol>
@@ -11663,7 +11663,7 @@
                 </a:tc>
                 <a:extLst>
                   <a:ext uri="{0D108BD9-81ED-4DB2-BD59-A6C34878D82A}">
-                    <a16:rowId xmlns:a16="http://schemas.microsoft.com/office/drawing/2014/main" val="10000"/>
+                    <a16:rowId xmlns:a16="http://schemas.microsoft.com/office/drawing/2014/main" xmlns="" val="10000"/>
                   </a:ext>
                 </a:extLst>
               </a:tr>
@@ -11696,7 +11696,7 @@
                 </a:tc>
                 <a:extLst>
                   <a:ext uri="{0D108BD9-81ED-4DB2-BD59-A6C34878D82A}">
-                    <a16:rowId xmlns:a16="http://schemas.microsoft.com/office/drawing/2014/main" val="10001"/>
+                    <a16:rowId xmlns:a16="http://schemas.microsoft.com/office/drawing/2014/main" xmlns="" val="10001"/>
                   </a:ext>
                 </a:extLst>
               </a:tr>
@@ -11729,9 +11729,37 @@
                 </a:tc>
                 <a:extLst>
                   <a:ext uri="{0D108BD9-81ED-4DB2-BD59-A6C34878D82A}">
-                    <a16:rowId xmlns:a16="http://schemas.microsoft.com/office/drawing/2014/main" val="10002"/>
+                    <a16:rowId xmlns:a16="http://schemas.microsoft.com/office/drawing/2014/main" xmlns="" val="10002"/>
                   </a:ext>
                 </a:extLst>
+              </a:tr>
+              <a:tr h="692226">
+                <a:tc>
+                  <a:txBody>
+                    <a:bodyPr/>
+                    <a:lstStyle/>
+                    <a:p>
+                      <a:pPr algn="ctr"/>
+                      <a:r>
+                        <a:rPr lang="zh-TW" altLang="en-US" dirty="0" smtClean="0"/>
+                        <a:t>再次確認密碼</a:t>
+                      </a:r>
+                      <a:endParaRPr lang="zh-TW" altLang="en-US" dirty="0"/>
+                    </a:p>
+                  </a:txBody>
+                  <a:tcPr anchor="ctr"/>
+                </a:tc>
+                <a:tc>
+                  <a:txBody>
+                    <a:bodyPr/>
+                    <a:lstStyle/>
+                    <a:p>
+                      <a:pPr algn="ctr"/>
+                      <a:endParaRPr lang="zh-TW" altLang="en-US" dirty="0"/>
+                    </a:p>
+                  </a:txBody>
+                  <a:tcPr anchor="ctr"/>
+                </a:tc>
               </a:tr>
             </a:tbl>
           </a:graphicData>
@@ -11745,8 +11773,8 @@
         </p:nvSpPr>
         <p:spPr>
           <a:xfrm>
-            <a:off x="5057775" y="4494756"/>
-            <a:ext cx="985520" cy="514124"/>
+            <a:off x="4832032" y="5106304"/>
+            <a:ext cx="987025" cy="490325"/>
           </a:xfrm>
           <a:prstGeom prst="rect">
             <a:avLst/>
@@ -11789,7 +11817,7 @@
         </p:nvSpPr>
         <p:spPr>
           <a:xfrm>
-            <a:off x="6770687" y="4494756"/>
+            <a:off x="6770687" y="5082505"/>
             <a:ext cx="1016000" cy="514124"/>
           </a:xfrm>
           <a:prstGeom prst="rect">

--- a/文件存放區/電影評什麼UI設計.pptx
+++ b/文件存放區/電影評什麼UI設計.pptx
@@ -208,7 +208,7 @@
           <a:p>
             <a:fld id="{49495778-5C31-43CC-9C35-26D7D5F7478C}" type="datetimeFigureOut">
               <a:rPr lang="zh-TW" altLang="en-US" smtClean="0"/>
-              <a:t>2021/7/31</a:t>
+              <a:t>2021/8/8</a:t>
             </a:fld>
             <a:endParaRPr lang="zh-TW" altLang="en-US"/>
           </a:p>
@@ -700,6 +700,17 @@
               <a:rPr lang="zh-TW" altLang="en-US" dirty="0" smtClean="0"/>
               <a:t>註冊</a:t>
             </a:r>
+            <a:endParaRPr lang="en-US" altLang="zh-TW" dirty="0" smtClean="0"/>
+          </a:p>
+          <a:p>
+            <a:r>
+              <a:rPr lang="zh-TW" altLang="en-US" dirty="0" smtClean="0"/>
+              <a:t>回上頁</a:t>
+            </a:r>
+            <a:r>
+              <a:rPr lang="en-US" altLang="zh-TW" dirty="0" smtClean="0"/>
+              <a:t>:historyback-1</a:t>
+            </a:r>
             <a:endParaRPr lang="zh-TW" altLang="en-US" dirty="0"/>
           </a:p>
         </p:txBody>
@@ -1238,7 +1249,7 @@
           <a:p>
             <a:fld id="{53F59838-084C-4AA6-89AC-C9A7F8C81351}" type="datetimeFigureOut">
               <a:rPr lang="zh-TW" altLang="en-US" smtClean="0"/>
-              <a:t>2021/7/31</a:t>
+              <a:t>2021/8/8</a:t>
             </a:fld>
             <a:endParaRPr lang="zh-TW" altLang="en-US"/>
           </a:p>
@@ -1408,7 +1419,7 @@
           <a:p>
             <a:fld id="{53F59838-084C-4AA6-89AC-C9A7F8C81351}" type="datetimeFigureOut">
               <a:rPr lang="zh-TW" altLang="en-US" smtClean="0"/>
-              <a:t>2021/7/31</a:t>
+              <a:t>2021/8/8</a:t>
             </a:fld>
             <a:endParaRPr lang="zh-TW" altLang="en-US"/>
           </a:p>
@@ -1588,7 +1599,7 @@
           <a:p>
             <a:fld id="{53F59838-084C-4AA6-89AC-C9A7F8C81351}" type="datetimeFigureOut">
               <a:rPr lang="zh-TW" altLang="en-US" smtClean="0"/>
-              <a:t>2021/7/31</a:t>
+              <a:t>2021/8/8</a:t>
             </a:fld>
             <a:endParaRPr lang="zh-TW" altLang="en-US"/>
           </a:p>
@@ -1758,7 +1769,7 @@
           <a:p>
             <a:fld id="{53F59838-084C-4AA6-89AC-C9A7F8C81351}" type="datetimeFigureOut">
               <a:rPr lang="zh-TW" altLang="en-US" smtClean="0"/>
-              <a:t>2021/7/31</a:t>
+              <a:t>2021/8/8</a:t>
             </a:fld>
             <a:endParaRPr lang="zh-TW" altLang="en-US"/>
           </a:p>
@@ -2004,7 +2015,7 @@
           <a:p>
             <a:fld id="{53F59838-084C-4AA6-89AC-C9A7F8C81351}" type="datetimeFigureOut">
               <a:rPr lang="zh-TW" altLang="en-US" smtClean="0"/>
-              <a:t>2021/7/31</a:t>
+              <a:t>2021/8/8</a:t>
             </a:fld>
             <a:endParaRPr lang="zh-TW" altLang="en-US"/>
           </a:p>
@@ -2236,7 +2247,7 @@
           <a:p>
             <a:fld id="{53F59838-084C-4AA6-89AC-C9A7F8C81351}" type="datetimeFigureOut">
               <a:rPr lang="zh-TW" altLang="en-US" smtClean="0"/>
-              <a:t>2021/7/31</a:t>
+              <a:t>2021/8/8</a:t>
             </a:fld>
             <a:endParaRPr lang="zh-TW" altLang="en-US"/>
           </a:p>
@@ -2603,7 +2614,7 @@
           <a:p>
             <a:fld id="{53F59838-084C-4AA6-89AC-C9A7F8C81351}" type="datetimeFigureOut">
               <a:rPr lang="zh-TW" altLang="en-US" smtClean="0"/>
-              <a:t>2021/7/31</a:t>
+              <a:t>2021/8/8</a:t>
             </a:fld>
             <a:endParaRPr lang="zh-TW" altLang="en-US"/>
           </a:p>
@@ -2721,7 +2732,7 @@
           <a:p>
             <a:fld id="{53F59838-084C-4AA6-89AC-C9A7F8C81351}" type="datetimeFigureOut">
               <a:rPr lang="zh-TW" altLang="en-US" smtClean="0"/>
-              <a:t>2021/7/31</a:t>
+              <a:t>2021/8/8</a:t>
             </a:fld>
             <a:endParaRPr lang="zh-TW" altLang="en-US"/>
           </a:p>
@@ -2816,7 +2827,7 @@
           <a:p>
             <a:fld id="{53F59838-084C-4AA6-89AC-C9A7F8C81351}" type="datetimeFigureOut">
               <a:rPr lang="zh-TW" altLang="en-US" smtClean="0"/>
-              <a:t>2021/7/31</a:t>
+              <a:t>2021/8/8</a:t>
             </a:fld>
             <a:endParaRPr lang="zh-TW" altLang="en-US"/>
           </a:p>
@@ -3093,7 +3104,7 @@
           <a:p>
             <a:fld id="{53F59838-084C-4AA6-89AC-C9A7F8C81351}" type="datetimeFigureOut">
               <a:rPr lang="zh-TW" altLang="en-US" smtClean="0"/>
-              <a:t>2021/7/31</a:t>
+              <a:t>2021/8/8</a:t>
             </a:fld>
             <a:endParaRPr lang="zh-TW" altLang="en-US"/>
           </a:p>
@@ -3346,7 +3357,7 @@
           <a:p>
             <a:fld id="{53F59838-084C-4AA6-89AC-C9A7F8C81351}" type="datetimeFigureOut">
               <a:rPr lang="zh-TW" altLang="en-US" smtClean="0"/>
-              <a:t>2021/7/31</a:t>
+              <a:t>2021/8/8</a:t>
             </a:fld>
             <a:endParaRPr lang="zh-TW" altLang="en-US"/>
           </a:p>
@@ -3559,7 +3570,7 @@
           <a:p>
             <a:fld id="{53F59838-084C-4AA6-89AC-C9A7F8C81351}" type="datetimeFigureOut">
               <a:rPr lang="zh-TW" altLang="en-US" smtClean="0"/>
-              <a:t>2021/7/31</a:t>
+              <a:t>2021/8/8</a:t>
             </a:fld>
             <a:endParaRPr lang="zh-TW" altLang="en-US"/>
           </a:p>
@@ -4100,14 +4111,14 @@
                 <a:gridCol w="2267028">
                   <a:extLst>
                     <a:ext uri="{9D8B030D-6E8A-4147-A177-3AD203B41FA5}">
-                      <a16:colId xmlns:a16="http://schemas.microsoft.com/office/drawing/2014/main" xmlns="" val="20000"/>
+                      <a16:colId xmlns="" xmlns:a16="http://schemas.microsoft.com/office/drawing/2014/main" val="20000"/>
                     </a:ext>
                   </a:extLst>
                 </a:gridCol>
                 <a:gridCol w="5371703">
                   <a:extLst>
                     <a:ext uri="{9D8B030D-6E8A-4147-A177-3AD203B41FA5}">
-                      <a16:colId xmlns:a16="http://schemas.microsoft.com/office/drawing/2014/main" xmlns="" val="20001"/>
+                      <a16:colId xmlns="" xmlns:a16="http://schemas.microsoft.com/office/drawing/2014/main" val="20001"/>
                     </a:ext>
                   </a:extLst>
                 </a:gridCol>
@@ -4144,7 +4155,7 @@
                 </a:tc>
                 <a:extLst>
                   <a:ext uri="{0D108BD9-81ED-4DB2-BD59-A6C34878D82A}">
-                    <a16:rowId xmlns:a16="http://schemas.microsoft.com/office/drawing/2014/main" xmlns="" val="10000"/>
+                    <a16:rowId xmlns="" xmlns:a16="http://schemas.microsoft.com/office/drawing/2014/main" val="10000"/>
                   </a:ext>
                 </a:extLst>
               </a:tr>
@@ -4176,7 +4187,7 @@
                 </a:tc>
                 <a:extLst>
                   <a:ext uri="{0D108BD9-81ED-4DB2-BD59-A6C34878D82A}">
-                    <a16:rowId xmlns:a16="http://schemas.microsoft.com/office/drawing/2014/main" xmlns="" val="10001"/>
+                    <a16:rowId xmlns="" xmlns:a16="http://schemas.microsoft.com/office/drawing/2014/main" val="10001"/>
                   </a:ext>
                 </a:extLst>
               </a:tr>
@@ -4212,7 +4223,7 @@
                 </a:tc>
                 <a:extLst>
                   <a:ext uri="{0D108BD9-81ED-4DB2-BD59-A6C34878D82A}">
-                    <a16:rowId xmlns:a16="http://schemas.microsoft.com/office/drawing/2014/main" xmlns="" val="10002"/>
+                    <a16:rowId xmlns="" xmlns:a16="http://schemas.microsoft.com/office/drawing/2014/main" val="10002"/>
                   </a:ext>
                 </a:extLst>
               </a:tr>
@@ -4260,7 +4271,7 @@
                 </a:tc>
                 <a:extLst>
                   <a:ext uri="{0D108BD9-81ED-4DB2-BD59-A6C34878D82A}">
-                    <a16:rowId xmlns:a16="http://schemas.microsoft.com/office/drawing/2014/main" xmlns="" val="10003"/>
+                    <a16:rowId xmlns="" xmlns:a16="http://schemas.microsoft.com/office/drawing/2014/main" val="10003"/>
                   </a:ext>
                 </a:extLst>
               </a:tr>
@@ -4308,7 +4319,7 @@
                 </a:tc>
                 <a:extLst>
                   <a:ext uri="{0D108BD9-81ED-4DB2-BD59-A6C34878D82A}">
-                    <a16:rowId xmlns:a16="http://schemas.microsoft.com/office/drawing/2014/main" xmlns="" val="10004"/>
+                    <a16:rowId xmlns="" xmlns:a16="http://schemas.microsoft.com/office/drawing/2014/main" val="10004"/>
                   </a:ext>
                 </a:extLst>
               </a:tr>
@@ -4959,35 +4970,35 @@
                 <a:gridCol w="1352732">
                   <a:extLst>
                     <a:ext uri="{9D8B030D-6E8A-4147-A177-3AD203B41FA5}">
-                      <a16:colId xmlns:a16="http://schemas.microsoft.com/office/drawing/2014/main" xmlns="" val="20000"/>
+                      <a16:colId xmlns="" xmlns:a16="http://schemas.microsoft.com/office/drawing/2014/main" val="20000"/>
                     </a:ext>
                   </a:extLst>
                 </a:gridCol>
                 <a:gridCol w="1960880">
                   <a:extLst>
                     <a:ext uri="{9D8B030D-6E8A-4147-A177-3AD203B41FA5}">
-                      <a16:colId xmlns:a16="http://schemas.microsoft.com/office/drawing/2014/main" xmlns="" val="20001"/>
+                      <a16:colId xmlns="" xmlns:a16="http://schemas.microsoft.com/office/drawing/2014/main" val="20001"/>
                     </a:ext>
                   </a:extLst>
                 </a:gridCol>
                 <a:gridCol w="3799840">
                   <a:extLst>
                     <a:ext uri="{9D8B030D-6E8A-4147-A177-3AD203B41FA5}">
-                      <a16:colId xmlns:a16="http://schemas.microsoft.com/office/drawing/2014/main" xmlns="" val="20002"/>
+                      <a16:colId xmlns="" xmlns:a16="http://schemas.microsoft.com/office/drawing/2014/main" val="20002"/>
                     </a:ext>
                   </a:extLst>
                 </a:gridCol>
                 <a:gridCol w="1402080">
                   <a:extLst>
                     <a:ext uri="{9D8B030D-6E8A-4147-A177-3AD203B41FA5}">
-                      <a16:colId xmlns:a16="http://schemas.microsoft.com/office/drawing/2014/main" xmlns="" val="20003"/>
+                      <a16:colId xmlns="" xmlns:a16="http://schemas.microsoft.com/office/drawing/2014/main" val="20003"/>
                     </a:ext>
                   </a:extLst>
                 </a:gridCol>
                 <a:gridCol w="1583508">
                   <a:extLst>
                     <a:ext uri="{9D8B030D-6E8A-4147-A177-3AD203B41FA5}">
-                      <a16:colId xmlns:a16="http://schemas.microsoft.com/office/drawing/2014/main" xmlns="" val="20004"/>
+                      <a16:colId xmlns="" xmlns:a16="http://schemas.microsoft.com/office/drawing/2014/main" val="20004"/>
                     </a:ext>
                   </a:extLst>
                 </a:gridCol>
@@ -5233,7 +5244,7 @@
                 </a:tc>
                 <a:extLst>
                   <a:ext uri="{0D108BD9-81ED-4DB2-BD59-A6C34878D82A}">
-                    <a16:rowId xmlns:a16="http://schemas.microsoft.com/office/drawing/2014/main" xmlns="" val="10000"/>
+                    <a16:rowId xmlns="" xmlns:a16="http://schemas.microsoft.com/office/drawing/2014/main" val="10000"/>
                   </a:ext>
                 </a:extLst>
               </a:tr>
@@ -5448,7 +5459,7 @@
                 </a:tc>
                 <a:extLst>
                   <a:ext uri="{0D108BD9-81ED-4DB2-BD59-A6C34878D82A}">
-                    <a16:rowId xmlns:a16="http://schemas.microsoft.com/office/drawing/2014/main" xmlns="" val="10001"/>
+                    <a16:rowId xmlns="" xmlns:a16="http://schemas.microsoft.com/office/drawing/2014/main" val="10001"/>
                   </a:ext>
                 </a:extLst>
               </a:tr>
@@ -5655,7 +5666,7 @@
                 </a:tc>
                 <a:extLst>
                   <a:ext uri="{0D108BD9-81ED-4DB2-BD59-A6C34878D82A}">
-                    <a16:rowId xmlns:a16="http://schemas.microsoft.com/office/drawing/2014/main" xmlns="" val="10002"/>
+                    <a16:rowId xmlns="" xmlns:a16="http://schemas.microsoft.com/office/drawing/2014/main" val="10002"/>
                   </a:ext>
                 </a:extLst>
               </a:tr>
@@ -5862,7 +5873,7 @@
                 </a:tc>
                 <a:extLst>
                   <a:ext uri="{0D108BD9-81ED-4DB2-BD59-A6C34878D82A}">
-                    <a16:rowId xmlns:a16="http://schemas.microsoft.com/office/drawing/2014/main" xmlns="" val="10003"/>
+                    <a16:rowId xmlns="" xmlns:a16="http://schemas.microsoft.com/office/drawing/2014/main" val="10003"/>
                   </a:ext>
                 </a:extLst>
               </a:tr>
@@ -6069,7 +6080,7 @@
                 </a:tc>
                 <a:extLst>
                   <a:ext uri="{0D108BD9-81ED-4DB2-BD59-A6C34878D82A}">
-                    <a16:rowId xmlns:a16="http://schemas.microsoft.com/office/drawing/2014/main" xmlns="" val="10004"/>
+                    <a16:rowId xmlns="" xmlns:a16="http://schemas.microsoft.com/office/drawing/2014/main" val="10004"/>
                   </a:ext>
                 </a:extLst>
               </a:tr>
@@ -6105,14 +6116,14 @@
                 <a:gridCol w="4675052">
                   <a:extLst>
                     <a:ext uri="{9D8B030D-6E8A-4147-A177-3AD203B41FA5}">
-                      <a16:colId xmlns:a16="http://schemas.microsoft.com/office/drawing/2014/main" xmlns="" val="20000"/>
+                      <a16:colId xmlns="" xmlns:a16="http://schemas.microsoft.com/office/drawing/2014/main" val="20000"/>
                     </a:ext>
                   </a:extLst>
                 </a:gridCol>
                 <a:gridCol w="5423988">
                   <a:extLst>
                     <a:ext uri="{9D8B030D-6E8A-4147-A177-3AD203B41FA5}">
-                      <a16:colId xmlns:a16="http://schemas.microsoft.com/office/drawing/2014/main" xmlns="" val="20001"/>
+                      <a16:colId xmlns="" xmlns:a16="http://schemas.microsoft.com/office/drawing/2014/main" val="20001"/>
                     </a:ext>
                   </a:extLst>
                 </a:gridCol>
@@ -6173,7 +6184,7 @@
                 </a:tc>
                 <a:extLst>
                   <a:ext uri="{0D108BD9-81ED-4DB2-BD59-A6C34878D82A}">
-                    <a16:rowId xmlns:a16="http://schemas.microsoft.com/office/drawing/2014/main" xmlns="" val="10000"/>
+                    <a16:rowId xmlns="" xmlns:a16="http://schemas.microsoft.com/office/drawing/2014/main" val="10000"/>
                   </a:ext>
                 </a:extLst>
               </a:tr>
@@ -6209,7 +6220,7 @@
                 </a:tc>
                 <a:extLst>
                   <a:ext uri="{0D108BD9-81ED-4DB2-BD59-A6C34878D82A}">
-                    <a16:rowId xmlns:a16="http://schemas.microsoft.com/office/drawing/2014/main" xmlns="" val="10001"/>
+                    <a16:rowId xmlns="" xmlns:a16="http://schemas.microsoft.com/office/drawing/2014/main" val="10001"/>
                   </a:ext>
                 </a:extLst>
               </a:tr>
@@ -6241,7 +6252,7 @@
                 </a:tc>
                 <a:extLst>
                   <a:ext uri="{0D108BD9-81ED-4DB2-BD59-A6C34878D82A}">
-                    <a16:rowId xmlns:a16="http://schemas.microsoft.com/office/drawing/2014/main" xmlns="" val="10002"/>
+                    <a16:rowId xmlns="" xmlns:a16="http://schemas.microsoft.com/office/drawing/2014/main" val="10002"/>
                   </a:ext>
                 </a:extLst>
               </a:tr>
@@ -6273,7 +6284,7 @@
                 </a:tc>
                 <a:extLst>
                   <a:ext uri="{0D108BD9-81ED-4DB2-BD59-A6C34878D82A}">
-                    <a16:rowId xmlns:a16="http://schemas.microsoft.com/office/drawing/2014/main" xmlns="" val="10003"/>
+                    <a16:rowId xmlns="" xmlns:a16="http://schemas.microsoft.com/office/drawing/2014/main" val="10003"/>
                   </a:ext>
                 </a:extLst>
               </a:tr>
@@ -7094,28 +7105,28 @@
                 <a:gridCol w="1088091">
                   <a:extLst>
                     <a:ext uri="{9D8B030D-6E8A-4147-A177-3AD203B41FA5}">
-                      <a16:colId xmlns:a16="http://schemas.microsoft.com/office/drawing/2014/main" xmlns="" val="20000"/>
+                      <a16:colId xmlns="" xmlns:a16="http://schemas.microsoft.com/office/drawing/2014/main" val="20000"/>
                     </a:ext>
                   </a:extLst>
                 </a:gridCol>
                 <a:gridCol w="7249269">
                   <a:extLst>
                     <a:ext uri="{9D8B030D-6E8A-4147-A177-3AD203B41FA5}">
-                      <a16:colId xmlns:a16="http://schemas.microsoft.com/office/drawing/2014/main" xmlns="" val="20001"/>
+                      <a16:colId xmlns="" xmlns:a16="http://schemas.microsoft.com/office/drawing/2014/main" val="20001"/>
                     </a:ext>
                   </a:extLst>
                 </a:gridCol>
                 <a:gridCol w="903602">
                   <a:extLst>
                     <a:ext uri="{9D8B030D-6E8A-4147-A177-3AD203B41FA5}">
-                      <a16:colId xmlns:a16="http://schemas.microsoft.com/office/drawing/2014/main" xmlns="" val="20002"/>
+                      <a16:colId xmlns="" xmlns:a16="http://schemas.microsoft.com/office/drawing/2014/main" val="20002"/>
                     </a:ext>
                   </a:extLst>
                 </a:gridCol>
                 <a:gridCol w="903602">
                   <a:extLst>
                     <a:ext uri="{9D8B030D-6E8A-4147-A177-3AD203B41FA5}">
-                      <a16:colId xmlns:a16="http://schemas.microsoft.com/office/drawing/2014/main" xmlns="" val="20003"/>
+                      <a16:colId xmlns="" xmlns:a16="http://schemas.microsoft.com/office/drawing/2014/main" val="20003"/>
                     </a:ext>
                   </a:extLst>
                 </a:gridCol>
@@ -7187,7 +7198,7 @@
                 </a:tc>
                 <a:extLst>
                   <a:ext uri="{0D108BD9-81ED-4DB2-BD59-A6C34878D82A}">
-                    <a16:rowId xmlns:a16="http://schemas.microsoft.com/office/drawing/2014/main" xmlns="" val="10000"/>
+                    <a16:rowId xmlns="" xmlns:a16="http://schemas.microsoft.com/office/drawing/2014/main" val="10000"/>
                   </a:ext>
                 </a:extLst>
               </a:tr>
@@ -7242,7 +7253,7 @@
                 </a:tc>
                 <a:extLst>
                   <a:ext uri="{0D108BD9-81ED-4DB2-BD59-A6C34878D82A}">
-                    <a16:rowId xmlns:a16="http://schemas.microsoft.com/office/drawing/2014/main" xmlns="" val="10001"/>
+                    <a16:rowId xmlns="" xmlns:a16="http://schemas.microsoft.com/office/drawing/2014/main" val="10001"/>
                   </a:ext>
                 </a:extLst>
               </a:tr>
@@ -7297,7 +7308,7 @@
                 </a:tc>
                 <a:extLst>
                   <a:ext uri="{0D108BD9-81ED-4DB2-BD59-A6C34878D82A}">
-                    <a16:rowId xmlns:a16="http://schemas.microsoft.com/office/drawing/2014/main" xmlns="" val="10002"/>
+                    <a16:rowId xmlns="" xmlns:a16="http://schemas.microsoft.com/office/drawing/2014/main" val="10002"/>
                   </a:ext>
                 </a:extLst>
               </a:tr>
@@ -7550,7 +7561,7 @@
                 <a:gridCol w="4737463">
                   <a:extLst>
                     <a:ext uri="{9D8B030D-6E8A-4147-A177-3AD203B41FA5}">
-                      <a16:colId xmlns:a16="http://schemas.microsoft.com/office/drawing/2014/main" xmlns="" val="20000"/>
+                      <a16:colId xmlns="" xmlns:a16="http://schemas.microsoft.com/office/drawing/2014/main" val="20000"/>
                     </a:ext>
                   </a:extLst>
                 </a:gridCol>
@@ -7575,7 +7586,7 @@
                 </a:tc>
                 <a:extLst>
                   <a:ext uri="{0D108BD9-81ED-4DB2-BD59-A6C34878D82A}">
-                    <a16:rowId xmlns:a16="http://schemas.microsoft.com/office/drawing/2014/main" xmlns="" val="10000"/>
+                    <a16:rowId xmlns="" xmlns:a16="http://schemas.microsoft.com/office/drawing/2014/main" val="10000"/>
                   </a:ext>
                 </a:extLst>
               </a:tr>
@@ -7604,7 +7615,7 @@
                 </a:tc>
                 <a:extLst>
                   <a:ext uri="{0D108BD9-81ED-4DB2-BD59-A6C34878D82A}">
-                    <a16:rowId xmlns:a16="http://schemas.microsoft.com/office/drawing/2014/main" xmlns="" val="10001"/>
+                    <a16:rowId xmlns="" xmlns:a16="http://schemas.microsoft.com/office/drawing/2014/main" val="10001"/>
                   </a:ext>
                 </a:extLst>
               </a:tr>
@@ -7625,7 +7636,7 @@
                 </a:tc>
                 <a:extLst>
                   <a:ext uri="{0D108BD9-81ED-4DB2-BD59-A6C34878D82A}">
-                    <a16:rowId xmlns:a16="http://schemas.microsoft.com/office/drawing/2014/main" xmlns="" val="10002"/>
+                    <a16:rowId xmlns="" xmlns:a16="http://schemas.microsoft.com/office/drawing/2014/main" val="10002"/>
                   </a:ext>
                 </a:extLst>
               </a:tr>
@@ -11622,14 +11633,14 @@
                 <a:gridCol w="1715092">
                   <a:extLst>
                     <a:ext uri="{9D8B030D-6E8A-4147-A177-3AD203B41FA5}">
-                      <a16:colId xmlns:a16="http://schemas.microsoft.com/office/drawing/2014/main" xmlns="" val="20000"/>
+                      <a16:colId xmlns="" xmlns:a16="http://schemas.microsoft.com/office/drawing/2014/main" val="20000"/>
                     </a:ext>
                   </a:extLst>
                 </a:gridCol>
                 <a:gridCol w="3811948">
                   <a:extLst>
                     <a:ext uri="{9D8B030D-6E8A-4147-A177-3AD203B41FA5}">
-                      <a16:colId xmlns:a16="http://schemas.microsoft.com/office/drawing/2014/main" xmlns="" val="20001"/>
+                      <a16:colId xmlns="" xmlns:a16="http://schemas.microsoft.com/office/drawing/2014/main" val="20001"/>
                     </a:ext>
                   </a:extLst>
                 </a:gridCol>
@@ -11663,7 +11674,7 @@
                 </a:tc>
                 <a:extLst>
                   <a:ext uri="{0D108BD9-81ED-4DB2-BD59-A6C34878D82A}">
-                    <a16:rowId xmlns:a16="http://schemas.microsoft.com/office/drawing/2014/main" xmlns="" val="10000"/>
+                    <a16:rowId xmlns="" xmlns:a16="http://schemas.microsoft.com/office/drawing/2014/main" val="10000"/>
                   </a:ext>
                 </a:extLst>
               </a:tr>
@@ -11696,7 +11707,7 @@
                 </a:tc>
                 <a:extLst>
                   <a:ext uri="{0D108BD9-81ED-4DB2-BD59-A6C34878D82A}">
-                    <a16:rowId xmlns:a16="http://schemas.microsoft.com/office/drawing/2014/main" xmlns="" val="10001"/>
+                    <a16:rowId xmlns="" xmlns:a16="http://schemas.microsoft.com/office/drawing/2014/main" val="10001"/>
                   </a:ext>
                 </a:extLst>
               </a:tr>
@@ -11729,7 +11740,7 @@
                 </a:tc>
                 <a:extLst>
                   <a:ext uri="{0D108BD9-81ED-4DB2-BD59-A6C34878D82A}">
-                    <a16:rowId xmlns:a16="http://schemas.microsoft.com/office/drawing/2014/main" xmlns="" val="10002"/>
+                    <a16:rowId xmlns="" xmlns:a16="http://schemas.microsoft.com/office/drawing/2014/main" val="10002"/>
                   </a:ext>
                 </a:extLst>
               </a:tr>
